--- a/2023.8.7.pptx
+++ b/2023.8.7.pptx
@@ -4,28 +4,30 @@
   <p:sldMasterIdLst>
     <p:sldMasterId id="2147483648" r:id="rId1"/>
   </p:sldMasterIdLst>
+  <p:notesMasterIdLst>
+    <p:notesMasterId r:id="rId4"/>
+  </p:notesMasterIdLst>
   <p:sldIdLst>
     <p:sldId id="256" r:id="rId3"/>
-    <p:sldId id="257" r:id="rId4"/>
-    <p:sldId id="258" r:id="rId5"/>
-    <p:sldId id="259" r:id="rId6"/>
-    <p:sldId id="260" r:id="rId7"/>
-    <p:sldId id="261" r:id="rId8"/>
-    <p:sldId id="262" r:id="rId9"/>
-    <p:sldId id="263" r:id="rId10"/>
-    <p:sldId id="276" r:id="rId11"/>
-    <p:sldId id="265" r:id="rId12"/>
-    <p:sldId id="266" r:id="rId13"/>
-    <p:sldId id="267" r:id="rId14"/>
-    <p:sldId id="268" r:id="rId15"/>
-    <p:sldId id="269" r:id="rId16"/>
-    <p:sldId id="270" r:id="rId17"/>
-    <p:sldId id="274" r:id="rId18"/>
-    <p:sldId id="271" r:id="rId19"/>
-    <p:sldId id="273" r:id="rId20"/>
-    <p:sldId id="272" r:id="rId21"/>
-    <p:sldId id="264" r:id="rId22"/>
-    <p:sldId id="275" r:id="rId23"/>
+    <p:sldId id="257" r:id="rId5"/>
+    <p:sldId id="258" r:id="rId6"/>
+    <p:sldId id="259" r:id="rId7"/>
+    <p:sldId id="260" r:id="rId8"/>
+    <p:sldId id="261" r:id="rId9"/>
+    <p:sldId id="262" r:id="rId10"/>
+    <p:sldId id="263" r:id="rId11"/>
+    <p:sldId id="276" r:id="rId12"/>
+    <p:sldId id="265" r:id="rId13"/>
+    <p:sldId id="266" r:id="rId14"/>
+    <p:sldId id="267" r:id="rId15"/>
+    <p:sldId id="268" r:id="rId16"/>
+    <p:sldId id="269" r:id="rId17"/>
+    <p:sldId id="270" r:id="rId18"/>
+    <p:sldId id="274" r:id="rId19"/>
+    <p:sldId id="271" r:id="rId20"/>
+    <p:sldId id="273" r:id="rId21"/>
+    <p:sldId id="272" r:id="rId22"/>
+    <p:sldId id="264" r:id="rId23"/>
   </p:sldIdLst>
   <p:sldSz cx="12192000" cy="6858000"/>
   <p:notesSz cx="6858000" cy="9144000"/>
@@ -135,7 +137,7 @@
             <a:srgbClr val="A4A3A4"/>
           </p15:clr>
         </p15:guide>
-        <p15:guide id="2" pos="3840" userDrawn="1">
+        <p15:guide id="2" pos="3806" userDrawn="1">
           <p15:clr>
             <a:srgbClr val="A4A3A4"/>
           </p15:clr>
@@ -144,6 +146,1534 @@
     </p:ext>
   </p:extLst>
 </p:presentation>
+</file>
+
+<file path=ppt/notesMasters/notesMaster1.xml><?xml version="1.0" encoding="utf-8"?>
+<p:notesMaster xmlns:a="http://schemas.openxmlformats.org/drawingml/2006/main" xmlns:r="http://schemas.openxmlformats.org/officeDocument/2006/relationships" xmlns:p="http://schemas.openxmlformats.org/presentationml/2006/main">
+  <p:cSld>
+    <p:bg>
+      <p:bgRef idx="1001">
+        <a:schemeClr val="bg1"/>
+      </p:bgRef>
+    </p:bg>
+    <p:spTree>
+      <p:nvGrpSpPr>
+        <p:cNvPr id="1" name=""/>
+        <p:cNvGrpSpPr/>
+        <p:nvPr/>
+      </p:nvGrpSpPr>
+      <p:grpSpPr>
+        <a:xfrm>
+          <a:off x="0" y="0"/>
+          <a:ext cx="0" cy="0"/>
+          <a:chOff x="0" y="0"/>
+          <a:chExt cx="0" cy="0"/>
+        </a:xfrm>
+      </p:grpSpPr>
+      <p:sp>
+        <p:nvSpPr>
+          <p:cNvPr id="2" name="页眉占位符 1"/>
+          <p:cNvSpPr>
+            <a:spLocks noGrp="1"/>
+          </p:cNvSpPr>
+          <p:nvPr>
+            <p:ph type="hdr" sz="quarter"/>
+          </p:nvPr>
+        </p:nvSpPr>
+        <p:spPr>
+          <a:xfrm>
+            <a:off x="0" y="0"/>
+            <a:ext cx="2971800" cy="458788"/>
+          </a:xfrm>
+          <a:prstGeom prst="rect">
+            <a:avLst/>
+          </a:prstGeom>
+        </p:spPr>
+        <p:txBody>
+          <a:bodyPr vert="horz" lIns="91440" tIns="45720" rIns="91440" bIns="45720" rtlCol="0"/>
+          <a:lstStyle>
+            <a:lvl1pPr algn="l">
+              <a:defRPr sz="1200"/>
+            </a:lvl1pPr>
+          </a:lstStyle>
+          <a:p>
+            <a:endParaRPr lang="zh-CN" altLang="en-US"/>
+          </a:p>
+        </p:txBody>
+      </p:sp>
+      <p:sp>
+        <p:nvSpPr>
+          <p:cNvPr id="3" name="日期占位符 2"/>
+          <p:cNvSpPr>
+            <a:spLocks noGrp="1"/>
+          </p:cNvSpPr>
+          <p:nvPr>
+            <p:ph type="dt" idx="1"/>
+          </p:nvPr>
+        </p:nvSpPr>
+        <p:spPr>
+          <a:xfrm>
+            <a:off x="3884613" y="0"/>
+            <a:ext cx="2971800" cy="458788"/>
+          </a:xfrm>
+          <a:prstGeom prst="rect">
+            <a:avLst/>
+          </a:prstGeom>
+        </p:spPr>
+        <p:txBody>
+          <a:bodyPr vert="horz" lIns="91440" tIns="45720" rIns="91440" bIns="45720" rtlCol="0"/>
+          <a:lstStyle>
+            <a:lvl1pPr algn="r">
+              <a:defRPr sz="1200"/>
+            </a:lvl1pPr>
+          </a:lstStyle>
+          <a:p>
+            <a:fld id="{D2A48B96-639E-45A3-A0BA-2464DFDB1FAA}" type="datetimeFigureOut">
+              <a:rPr lang="zh-CN" altLang="en-US" smtClean="0"/>
+            </a:fld>
+            <a:endParaRPr lang="zh-CN" altLang="en-US"/>
+          </a:p>
+        </p:txBody>
+      </p:sp>
+      <p:sp>
+        <p:nvSpPr>
+          <p:cNvPr id="4" name="幻灯片图像占位符 3"/>
+          <p:cNvSpPr>
+            <a:spLocks noGrp="1" noRot="1" noChangeAspect="1"/>
+          </p:cNvSpPr>
+          <p:nvPr>
+            <p:ph type="sldImg" idx="2"/>
+          </p:nvPr>
+        </p:nvSpPr>
+        <p:spPr>
+          <a:xfrm>
+            <a:off x="685800" y="1143000"/>
+            <a:ext cx="5486400" cy="3086100"/>
+          </a:xfrm>
+          <a:prstGeom prst="rect">
+            <a:avLst/>
+          </a:prstGeom>
+          <a:noFill/>
+          <a:ln w="12700">
+            <a:solidFill>
+              <a:prstClr val="black"/>
+            </a:solidFill>
+          </a:ln>
+        </p:spPr>
+        <p:txBody>
+          <a:bodyPr vert="horz" lIns="91440" tIns="45720" rIns="91440" bIns="45720" rtlCol="0" anchor="ctr"/>
+          <a:lstStyle/>
+          <a:p>
+            <a:endParaRPr lang="zh-CN" altLang="en-US"/>
+          </a:p>
+        </p:txBody>
+      </p:sp>
+      <p:sp>
+        <p:nvSpPr>
+          <p:cNvPr id="5" name="备注占位符 4"/>
+          <p:cNvSpPr>
+            <a:spLocks noGrp="1"/>
+          </p:cNvSpPr>
+          <p:nvPr>
+            <p:ph type="body" sz="quarter" idx="3"/>
+          </p:nvPr>
+        </p:nvSpPr>
+        <p:spPr>
+          <a:xfrm>
+            <a:off x="685800" y="4400550"/>
+            <a:ext cx="5486400" cy="3600450"/>
+          </a:xfrm>
+          <a:prstGeom prst="rect">
+            <a:avLst/>
+          </a:prstGeom>
+        </p:spPr>
+        <p:txBody>
+          <a:bodyPr vert="horz" lIns="91440" tIns="45720" rIns="91440" bIns="45720" rtlCol="0"/>
+          <a:lstStyle/>
+          <a:p>
+            <a:pPr lvl="0"/>
+            <a:r>
+              <a:rPr lang="zh-CN" altLang="en-US" smtClean="0"/>
+              <a:t>单击此处编辑母版文本样式</a:t>
+            </a:r>
+            <a:endParaRPr lang="zh-CN" altLang="en-US" smtClean="0"/>
+          </a:p>
+          <a:p>
+            <a:pPr lvl="1"/>
+            <a:r>
+              <a:rPr lang="zh-CN" altLang="en-US" smtClean="0"/>
+              <a:t>第二级</a:t>
+            </a:r>
+            <a:endParaRPr lang="zh-CN" altLang="en-US" smtClean="0"/>
+          </a:p>
+          <a:p>
+            <a:pPr lvl="2"/>
+            <a:r>
+              <a:rPr lang="zh-CN" altLang="en-US" smtClean="0"/>
+              <a:t>第三级</a:t>
+            </a:r>
+            <a:endParaRPr lang="zh-CN" altLang="en-US" smtClean="0"/>
+          </a:p>
+          <a:p>
+            <a:pPr lvl="3"/>
+            <a:r>
+              <a:rPr lang="zh-CN" altLang="en-US" smtClean="0"/>
+              <a:t>第四级</a:t>
+            </a:r>
+            <a:endParaRPr lang="zh-CN" altLang="en-US" smtClean="0"/>
+          </a:p>
+          <a:p>
+            <a:pPr lvl="4"/>
+            <a:r>
+              <a:rPr lang="zh-CN" altLang="en-US" smtClean="0"/>
+              <a:t>第五级</a:t>
+            </a:r>
+            <a:endParaRPr lang="zh-CN" altLang="en-US"/>
+          </a:p>
+        </p:txBody>
+      </p:sp>
+      <p:sp>
+        <p:nvSpPr>
+          <p:cNvPr id="6" name="页脚占位符 5"/>
+          <p:cNvSpPr>
+            <a:spLocks noGrp="1"/>
+          </p:cNvSpPr>
+          <p:nvPr>
+            <p:ph type="ftr" sz="quarter" idx="4"/>
+          </p:nvPr>
+        </p:nvSpPr>
+        <p:spPr>
+          <a:xfrm>
+            <a:off x="0" y="8685213"/>
+            <a:ext cx="2971800" cy="458787"/>
+          </a:xfrm>
+          <a:prstGeom prst="rect">
+            <a:avLst/>
+          </a:prstGeom>
+        </p:spPr>
+        <p:txBody>
+          <a:bodyPr vert="horz" lIns="91440" tIns="45720" rIns="91440" bIns="45720" rtlCol="0" anchor="b"/>
+          <a:lstStyle>
+            <a:lvl1pPr algn="l">
+              <a:defRPr sz="1200"/>
+            </a:lvl1pPr>
+          </a:lstStyle>
+          <a:p>
+            <a:endParaRPr lang="zh-CN" altLang="en-US"/>
+          </a:p>
+        </p:txBody>
+      </p:sp>
+      <p:sp>
+        <p:nvSpPr>
+          <p:cNvPr id="7" name="灯片编号占位符 6"/>
+          <p:cNvSpPr>
+            <a:spLocks noGrp="1"/>
+          </p:cNvSpPr>
+          <p:nvPr>
+            <p:ph type="sldNum" sz="quarter" idx="5"/>
+          </p:nvPr>
+        </p:nvSpPr>
+        <p:spPr>
+          <a:xfrm>
+            <a:off x="3884613" y="8685213"/>
+            <a:ext cx="2971800" cy="458787"/>
+          </a:xfrm>
+          <a:prstGeom prst="rect">
+            <a:avLst/>
+          </a:prstGeom>
+        </p:spPr>
+        <p:txBody>
+          <a:bodyPr vert="horz" lIns="91440" tIns="45720" rIns="91440" bIns="45720" rtlCol="0" anchor="b"/>
+          <a:lstStyle>
+            <a:lvl1pPr algn="r">
+              <a:defRPr sz="1200"/>
+            </a:lvl1pPr>
+          </a:lstStyle>
+          <a:p>
+            <a:fld id="{A6837353-30EB-4A48-80EB-173D804AEFBD}" type="slidenum">
+              <a:rPr lang="zh-CN" altLang="en-US" smtClean="0"/>
+            </a:fld>
+            <a:endParaRPr lang="zh-CN" altLang="en-US"/>
+          </a:p>
+        </p:txBody>
+      </p:sp>
+    </p:spTree>
+  </p:cSld>
+  <p:clrMap bg1="lt1" tx1="dk1" bg2="lt2" tx2="dk2" accent1="accent1" accent2="accent2" accent3="accent3" accent4="accent4" accent5="accent5" accent6="accent6" hlink="hlink" folHlink="folHlink"/>
+  <p:notesStyle>
+    <a:lvl1pPr marL="0" algn="l" defTabSz="914400" rtl="0" eaLnBrk="1" latinLnBrk="0" hangingPunct="1">
+      <a:defRPr sz="1200" kern="1200">
+        <a:solidFill>
+          <a:schemeClr val="tx1"/>
+        </a:solidFill>
+        <a:latin typeface="+mn-lt"/>
+        <a:ea typeface="+mn-ea"/>
+        <a:cs typeface="+mn-cs"/>
+      </a:defRPr>
+    </a:lvl1pPr>
+    <a:lvl2pPr marL="457200" algn="l" defTabSz="914400" rtl="0" eaLnBrk="1" latinLnBrk="0" hangingPunct="1">
+      <a:defRPr sz="1200" kern="1200">
+        <a:solidFill>
+          <a:schemeClr val="tx1"/>
+        </a:solidFill>
+        <a:latin typeface="+mn-lt"/>
+        <a:ea typeface="+mn-ea"/>
+        <a:cs typeface="+mn-cs"/>
+      </a:defRPr>
+    </a:lvl2pPr>
+    <a:lvl3pPr marL="914400" algn="l" defTabSz="914400" rtl="0" eaLnBrk="1" latinLnBrk="0" hangingPunct="1">
+      <a:defRPr sz="1200" kern="1200">
+        <a:solidFill>
+          <a:schemeClr val="tx1"/>
+        </a:solidFill>
+        <a:latin typeface="+mn-lt"/>
+        <a:ea typeface="+mn-ea"/>
+        <a:cs typeface="+mn-cs"/>
+      </a:defRPr>
+    </a:lvl3pPr>
+    <a:lvl4pPr marL="1371600" algn="l" defTabSz="914400" rtl="0" eaLnBrk="1" latinLnBrk="0" hangingPunct="1">
+      <a:defRPr sz="1200" kern="1200">
+        <a:solidFill>
+          <a:schemeClr val="tx1"/>
+        </a:solidFill>
+        <a:latin typeface="+mn-lt"/>
+        <a:ea typeface="+mn-ea"/>
+        <a:cs typeface="+mn-cs"/>
+      </a:defRPr>
+    </a:lvl4pPr>
+    <a:lvl5pPr marL="1828800" algn="l" defTabSz="914400" rtl="0" eaLnBrk="1" latinLnBrk="0" hangingPunct="1">
+      <a:defRPr sz="1200" kern="1200">
+        <a:solidFill>
+          <a:schemeClr val="tx1"/>
+        </a:solidFill>
+        <a:latin typeface="+mn-lt"/>
+        <a:ea typeface="+mn-ea"/>
+        <a:cs typeface="+mn-cs"/>
+      </a:defRPr>
+    </a:lvl5pPr>
+    <a:lvl6pPr marL="2286000" algn="l" defTabSz="914400" rtl="0" eaLnBrk="1" latinLnBrk="0" hangingPunct="1">
+      <a:defRPr sz="1200" kern="1200">
+        <a:solidFill>
+          <a:schemeClr val="tx1"/>
+        </a:solidFill>
+        <a:latin typeface="+mn-lt"/>
+        <a:ea typeface="+mn-ea"/>
+        <a:cs typeface="+mn-cs"/>
+      </a:defRPr>
+    </a:lvl6pPr>
+    <a:lvl7pPr marL="2743200" algn="l" defTabSz="914400" rtl="0" eaLnBrk="1" latinLnBrk="0" hangingPunct="1">
+      <a:defRPr sz="1200" kern="1200">
+        <a:solidFill>
+          <a:schemeClr val="tx1"/>
+        </a:solidFill>
+        <a:latin typeface="+mn-lt"/>
+        <a:ea typeface="+mn-ea"/>
+        <a:cs typeface="+mn-cs"/>
+      </a:defRPr>
+    </a:lvl7pPr>
+    <a:lvl8pPr marL="3200400" algn="l" defTabSz="914400" rtl="0" eaLnBrk="1" latinLnBrk="0" hangingPunct="1">
+      <a:defRPr sz="1200" kern="1200">
+        <a:solidFill>
+          <a:schemeClr val="tx1"/>
+        </a:solidFill>
+        <a:latin typeface="+mn-lt"/>
+        <a:ea typeface="+mn-ea"/>
+        <a:cs typeface="+mn-cs"/>
+      </a:defRPr>
+    </a:lvl8pPr>
+    <a:lvl9pPr marL="3657600" algn="l" defTabSz="914400" rtl="0" eaLnBrk="1" latinLnBrk="0" hangingPunct="1">
+      <a:defRPr sz="1200" kern="1200">
+        <a:solidFill>
+          <a:schemeClr val="tx1"/>
+        </a:solidFill>
+        <a:latin typeface="+mn-lt"/>
+        <a:ea typeface="+mn-ea"/>
+        <a:cs typeface="+mn-cs"/>
+      </a:defRPr>
+    </a:lvl9pPr>
+  </p:notesStyle>
+</p:notesMaster>
+</file>
+
+<file path=ppt/notesSlides/notesSlide1.xml><?xml version="1.0" encoding="utf-8"?>
+<p:notes xmlns:a="http://schemas.openxmlformats.org/drawingml/2006/main" xmlns:r="http://schemas.openxmlformats.org/officeDocument/2006/relationships" xmlns:p="http://schemas.openxmlformats.org/presentationml/2006/main">
+  <p:cSld>
+    <p:spTree>
+      <p:nvGrpSpPr>
+        <p:cNvPr id="1" name=""/>
+        <p:cNvGrpSpPr/>
+        <p:nvPr/>
+      </p:nvGrpSpPr>
+      <p:grpSpPr/>
+      <p:sp>
+        <p:nvSpPr>
+          <p:cNvPr id="2" name="幻灯片图像占位符 1"/>
+          <p:cNvSpPr/>
+          <p:nvPr>
+            <p:ph type="sldImg" idx="2"/>
+          </p:nvPr>
+        </p:nvSpPr>
+        <p:spPr/>
+      </p:sp>
+      <p:sp>
+        <p:nvSpPr>
+          <p:cNvPr id="3" name="文本占位符 2"/>
+          <p:cNvSpPr/>
+          <p:nvPr>
+            <p:ph type="body" idx="3"/>
+          </p:nvPr>
+        </p:nvSpPr>
+        <p:spPr/>
+        <p:txBody>
+          <a:bodyPr/>
+          <a:p>
+            <a:r>
+              <a:rPr lang="zh-CN" altLang="en-US"/>
+              <a:t>Hello teachers, I would like to present my progress for this week. </a:t>
+            </a:r>
+            <a:endParaRPr lang="zh-CN" altLang="en-US"/>
+          </a:p>
+        </p:txBody>
+      </p:sp>
+    </p:spTree>
+  </p:cSld>
+  <p:clrMapOvr>
+    <a:masterClrMapping/>
+  </p:clrMapOvr>
+</p:notes>
+</file>
+
+<file path=ppt/notesSlides/notesSlide10.xml><?xml version="1.0" encoding="utf-8"?>
+<p:notes xmlns:a="http://schemas.openxmlformats.org/drawingml/2006/main" xmlns:r="http://schemas.openxmlformats.org/officeDocument/2006/relationships" xmlns:p="http://schemas.openxmlformats.org/presentationml/2006/main">
+  <p:cSld>
+    <p:spTree>
+      <p:nvGrpSpPr>
+        <p:cNvPr id="1" name=""/>
+        <p:cNvGrpSpPr/>
+        <p:nvPr/>
+      </p:nvGrpSpPr>
+      <p:grpSpPr/>
+      <p:sp>
+        <p:nvSpPr>
+          <p:cNvPr id="2" name="幻灯片图像占位符 1"/>
+          <p:cNvSpPr/>
+          <p:nvPr>
+            <p:ph type="sldImg" idx="2"/>
+          </p:nvPr>
+        </p:nvSpPr>
+        <p:spPr/>
+      </p:sp>
+      <p:sp>
+        <p:nvSpPr>
+          <p:cNvPr id="3" name="文本占位符 2"/>
+          <p:cNvSpPr/>
+          <p:nvPr>
+            <p:ph type="body" idx="3"/>
+          </p:nvPr>
+        </p:nvSpPr>
+        <p:spPr/>
+        <p:txBody>
+          <a:bodyPr/>
+          <a:p>
+            <a:r>
+              <a:rPr lang="zh-CN" altLang="en-US"/>
+              <a:t>The second step </a:t>
+            </a:r>
+            <a:r>
+              <a:rPr lang="en-US" altLang="zh-CN"/>
+              <a:t>is</a:t>
+            </a:r>
+            <a:r>
+              <a:rPr lang="zh-CN" altLang="en-US"/>
+              <a:t> noise reduction. In this p</a:t>
+            </a:r>
+            <a:r>
+              <a:rPr lang="en-US" altLang="zh-CN"/>
+              <a:t>art</a:t>
+            </a:r>
+            <a:r>
+              <a:rPr lang="zh-CN" altLang="en-US"/>
+              <a:t>, I employed the cluster analysis method from Professor Song's  paper. Initially, I segment the signals based on their cycles and perform cluster analysis on them. The fundamental principle of cluster analysis is as follows: for each signal, if the distance between the current signal and the center of any existing cluster exceeds a predefined threshold, a new cluster is formed with this signal as its center. Otherwise, the signal is added to the cluster with the </a:t>
+            </a:r>
+            <a:r>
+              <a:rPr lang="en-US" altLang="zh-CN"/>
+              <a:t>least distance</a:t>
+            </a:r>
+            <a:r>
+              <a:rPr lang="zh-CN" altLang="en-US"/>
+              <a:t>. The distance measurement employed here is the root mean square error (RMSE), as mentioned in the paper. For instance, consider this signal. After segmenting it according to its cycles, we proceed with cluster analysis. It's worth noting that the segmentation algorithm I used may result in one less signal than the actual count, but this won't impact subsequent feature extraction. Through cluster analysis, we obtained two clusters, with one containing eight signals and the other containing two signals. The deviation of these two signals from the majority is attributed to their heavy noise influence</a:t>
+            </a:r>
+            <a:r>
+              <a:rPr lang="en-US" altLang="zh-CN"/>
+              <a:t> which means that the two signals are influenced a lot by noise. </a:t>
+            </a:r>
+            <a:r>
+              <a:rPr lang="zh-CN" altLang="en-US"/>
+              <a:t>Therefore, I disregarded the</a:t>
+            </a:r>
+            <a:r>
+              <a:rPr lang="en-US" altLang="zh-CN"/>
+              <a:t>se</a:t>
+            </a:r>
+            <a:r>
+              <a:rPr lang="zh-CN" altLang="en-US"/>
+              <a:t> signals in this cluster. </a:t>
+            </a:r>
+            <a:r>
+              <a:rPr lang="en-US" altLang="zh-CN"/>
+              <a:t>I s</a:t>
+            </a:r>
+            <a:r>
+              <a:rPr lang="zh-CN" altLang="en-US"/>
+              <a:t>elect the cluster with the highest signal count</a:t>
+            </a:r>
+            <a:r>
+              <a:rPr lang="en-US" altLang="zh-CN"/>
+              <a:t> and</a:t>
+            </a:r>
+            <a:r>
+              <a:rPr lang="zh-CN" altLang="en-US"/>
+              <a:t> calculated their average to generate a template signal, effectively achieving denoising</a:t>
+            </a:r>
+            <a:endParaRPr lang="zh-CN" altLang="en-US"/>
+          </a:p>
+        </p:txBody>
+      </p:sp>
+    </p:spTree>
+  </p:cSld>
+  <p:clrMapOvr>
+    <a:masterClrMapping/>
+  </p:clrMapOvr>
+</p:notes>
+</file>
+
+<file path=ppt/notesSlides/notesSlide11.xml><?xml version="1.0" encoding="utf-8"?>
+<p:notes xmlns:a="http://schemas.openxmlformats.org/drawingml/2006/main" xmlns:r="http://schemas.openxmlformats.org/officeDocument/2006/relationships" xmlns:p="http://schemas.openxmlformats.org/presentationml/2006/main">
+  <p:cSld>
+    <p:spTree>
+      <p:nvGrpSpPr>
+        <p:cNvPr id="1" name=""/>
+        <p:cNvGrpSpPr/>
+        <p:nvPr/>
+      </p:nvGrpSpPr>
+      <p:grpSpPr/>
+      <p:sp>
+        <p:nvSpPr>
+          <p:cNvPr id="2" name="幻灯片图像占位符 1"/>
+          <p:cNvSpPr/>
+          <p:nvPr>
+            <p:ph type="sldImg" idx="2"/>
+          </p:nvPr>
+        </p:nvSpPr>
+        <p:spPr/>
+      </p:sp>
+      <p:sp>
+        <p:nvSpPr>
+          <p:cNvPr id="3" name="文本占位符 2"/>
+          <p:cNvSpPr/>
+          <p:nvPr>
+            <p:ph type="body" idx="3"/>
+          </p:nvPr>
+        </p:nvSpPr>
+        <p:spPr/>
+        <p:txBody>
+          <a:bodyPr/>
+          <a:p>
+            <a:r>
+              <a:rPr lang="zh-CN" altLang="en-US"/>
+              <a:t>Here is our template signal. Subsequently, signal reconstruction was performed. It's important to highlight that due to the nature of my segmentation algorithm, the signal's cycle count here is one less than the original signal</a:t>
+            </a:r>
+            <a:r>
+              <a:rPr lang="en-US" altLang="zh-CN"/>
+              <a:t>, just like I mentioned before</a:t>
+            </a:r>
+            <a:r>
+              <a:rPr lang="zh-CN" altLang="en-US"/>
+              <a:t>. However, this does not affect feature extraction. As shown, our reconstructed signal exhibits considerably fewer fluctuations caused by noise compared to the original signal.</a:t>
+            </a:r>
+            <a:endParaRPr lang="zh-CN" altLang="en-US"/>
+          </a:p>
+          <a:p>
+            <a:endParaRPr lang="zh-CN" altLang="en-US"/>
+          </a:p>
+          <a:p>
+            <a:endParaRPr lang="zh-CN" altLang="en-US"/>
+          </a:p>
+          <a:p>
+            <a:endParaRPr lang="zh-CN" altLang="en-US"/>
+          </a:p>
+          <a:p>
+            <a:endParaRPr lang="zh-CN" altLang="en-US"/>
+          </a:p>
+          <a:p>
+            <a:endParaRPr lang="zh-CN" altLang="en-US"/>
+          </a:p>
+        </p:txBody>
+      </p:sp>
+    </p:spTree>
+  </p:cSld>
+  <p:clrMapOvr>
+    <a:masterClrMapping/>
+  </p:clrMapOvr>
+</p:notes>
+</file>
+
+<file path=ppt/notesSlides/notesSlide12.xml><?xml version="1.0" encoding="utf-8"?>
+<p:notes xmlns:a="http://schemas.openxmlformats.org/drawingml/2006/main" xmlns:r="http://schemas.openxmlformats.org/officeDocument/2006/relationships" xmlns:p="http://schemas.openxmlformats.org/presentationml/2006/main">
+  <p:cSld>
+    <p:spTree>
+      <p:nvGrpSpPr>
+        <p:cNvPr id="1" name=""/>
+        <p:cNvGrpSpPr/>
+        <p:nvPr/>
+      </p:nvGrpSpPr>
+      <p:grpSpPr/>
+      <p:sp>
+        <p:nvSpPr>
+          <p:cNvPr id="2" name="幻灯片图像占位符 1"/>
+          <p:cNvSpPr/>
+          <p:nvPr>
+            <p:ph type="sldImg" idx="2"/>
+          </p:nvPr>
+        </p:nvSpPr>
+        <p:spPr/>
+      </p:sp>
+      <p:sp>
+        <p:nvSpPr>
+          <p:cNvPr id="3" name="文本占位符 2"/>
+          <p:cNvSpPr/>
+          <p:nvPr>
+            <p:ph type="body" idx="3"/>
+          </p:nvPr>
+        </p:nvSpPr>
+        <p:spPr/>
+        <p:txBody>
+          <a:bodyPr/>
+          <a:p>
+            <a:r>
+              <a:rPr lang="zh-CN" altLang="en-US"/>
+              <a:t>Next is feature selection. I chose 12 features that I consider important, including the peak difference between peak1 and peak2, as well as their horizontal distance.</a:t>
+            </a:r>
+            <a:endParaRPr lang="zh-CN" altLang="en-US"/>
+          </a:p>
+        </p:txBody>
+      </p:sp>
+    </p:spTree>
+  </p:cSld>
+  <p:clrMapOvr>
+    <a:masterClrMapping/>
+  </p:clrMapOvr>
+</p:notes>
+</file>
+
+<file path=ppt/notesSlides/notesSlide13.xml><?xml version="1.0" encoding="utf-8"?>
+<p:notes xmlns:a="http://schemas.openxmlformats.org/drawingml/2006/main" xmlns:r="http://schemas.openxmlformats.org/officeDocument/2006/relationships" xmlns:p="http://schemas.openxmlformats.org/presentationml/2006/main">
+  <p:cSld>
+    <p:spTree>
+      <p:nvGrpSpPr>
+        <p:cNvPr id="1" name=""/>
+        <p:cNvGrpSpPr/>
+        <p:nvPr/>
+      </p:nvGrpSpPr>
+      <p:grpSpPr/>
+      <p:sp>
+        <p:nvSpPr>
+          <p:cNvPr id="2" name="幻灯片图像占位符 1"/>
+          <p:cNvSpPr/>
+          <p:nvPr>
+            <p:ph type="sldImg" idx="2"/>
+          </p:nvPr>
+        </p:nvSpPr>
+        <p:spPr/>
+      </p:sp>
+      <p:sp>
+        <p:nvSpPr>
+          <p:cNvPr id="3" name="文本占位符 2"/>
+          <p:cNvSpPr/>
+          <p:nvPr>
+            <p:ph type="body" idx="3"/>
+          </p:nvPr>
+        </p:nvSpPr>
+        <p:spPr/>
+        <p:txBody>
+          <a:bodyPr/>
+          <a:p>
+            <a:r>
+              <a:rPr lang="zh-CN" altLang="en-US"/>
+              <a:t>I then employed the Pearson correlation coefficient for feature selection. This coefficient measures the strength of the linear relationship between two</a:t>
+            </a:r>
+            <a:r>
+              <a:rPr lang="en-US" altLang="zh-CN"/>
+              <a:t> </a:t>
+            </a:r>
+            <a:r>
+              <a:rPr lang="zh-CN" altLang="en-US"/>
+              <a:t>variables. When the Pearson correlation coefficient is 1, it indicates a perfect positive correlation, while a coefficient of -1 indicates a perfect negative correlation. Since I later used linear regression for prediction, I </a:t>
+            </a:r>
+            <a:r>
+              <a:rPr lang="en-US" altLang="zh-CN"/>
+              <a:t>think</a:t>
+            </a:r>
+            <a:r>
+              <a:rPr lang="zh-CN" altLang="en-US"/>
+              <a:t> that the Pearson correlation coefficient is effective for feature selection.</a:t>
+            </a:r>
+            <a:r>
+              <a:rPr lang="en-US" altLang="zh-CN"/>
+              <a:t> The selected feature is about the distance information of peak1 and peak2, and the skewness [sk'ju:nes] and kurtosis [kɜː'təʊsɪs] of them</a:t>
+            </a:r>
+            <a:endParaRPr lang="en-US" altLang="zh-CN"/>
+          </a:p>
+        </p:txBody>
+      </p:sp>
+    </p:spTree>
+  </p:cSld>
+  <p:clrMapOvr>
+    <a:masterClrMapping/>
+  </p:clrMapOvr>
+</p:notes>
+</file>
+
+<file path=ppt/notesSlides/notesSlide14.xml><?xml version="1.0" encoding="utf-8"?>
+<p:notes xmlns:a="http://schemas.openxmlformats.org/drawingml/2006/main" xmlns:r="http://schemas.openxmlformats.org/officeDocument/2006/relationships" xmlns:p="http://schemas.openxmlformats.org/presentationml/2006/main">
+  <p:cSld>
+    <p:spTree>
+      <p:nvGrpSpPr>
+        <p:cNvPr id="1" name=""/>
+        <p:cNvGrpSpPr/>
+        <p:nvPr/>
+      </p:nvGrpSpPr>
+      <p:grpSpPr/>
+      <p:sp>
+        <p:nvSpPr>
+          <p:cNvPr id="2" name="幻灯片图像占位符 1"/>
+          <p:cNvSpPr/>
+          <p:nvPr>
+            <p:ph type="sldImg" idx="2"/>
+          </p:nvPr>
+        </p:nvSpPr>
+        <p:spPr/>
+      </p:sp>
+      <p:sp>
+        <p:nvSpPr>
+          <p:cNvPr id="3" name="文本占位符 2"/>
+          <p:cNvSpPr/>
+          <p:nvPr>
+            <p:ph type="body" idx="3"/>
+          </p:nvPr>
+        </p:nvSpPr>
+        <p:spPr/>
+        <p:txBody>
+          <a:bodyPr/>
+          <a:p>
+            <a:r>
+              <a:rPr lang="zh-CN" altLang="en-US"/>
+              <a:t>Here is the result without feature selection, and the Mean Absolute Error (MAE) is 6.04. In the initial version I submitted previously, without noise reduction, the MAE from linear regression was 10, </a:t>
+            </a:r>
+            <a:r>
+              <a:rPr lang="en-US" altLang="zh-CN"/>
+              <a:t>which indicates</a:t>
+            </a:r>
+            <a:r>
+              <a:rPr lang="zh-CN" altLang="en-US"/>
+              <a:t> a significant improvement in prediction accuracy through noise reduction.</a:t>
+            </a:r>
+            <a:endParaRPr lang="zh-CN" altLang="en-US"/>
+          </a:p>
+        </p:txBody>
+      </p:sp>
+    </p:spTree>
+  </p:cSld>
+  <p:clrMapOvr>
+    <a:masterClrMapping/>
+  </p:clrMapOvr>
+</p:notes>
+</file>
+
+<file path=ppt/notesSlides/notesSlide15.xml><?xml version="1.0" encoding="utf-8"?>
+<p:notes xmlns:a="http://schemas.openxmlformats.org/drawingml/2006/main" xmlns:r="http://schemas.openxmlformats.org/officeDocument/2006/relationships" xmlns:p="http://schemas.openxmlformats.org/presentationml/2006/main">
+  <p:cSld>
+    <p:spTree>
+      <p:nvGrpSpPr>
+        <p:cNvPr id="1" name=""/>
+        <p:cNvGrpSpPr/>
+        <p:nvPr/>
+      </p:nvGrpSpPr>
+      <p:grpSpPr/>
+      <p:sp>
+        <p:nvSpPr>
+          <p:cNvPr id="2" name="幻灯片图像占位符 1"/>
+          <p:cNvSpPr/>
+          <p:nvPr>
+            <p:ph type="sldImg" idx="2"/>
+          </p:nvPr>
+        </p:nvSpPr>
+        <p:spPr/>
+      </p:sp>
+      <p:sp>
+        <p:nvSpPr>
+          <p:cNvPr id="3" name="文本占位符 2"/>
+          <p:cNvSpPr/>
+          <p:nvPr>
+            <p:ph type="body" idx="3"/>
+          </p:nvPr>
+        </p:nvSpPr>
+        <p:spPr/>
+        <p:txBody>
+          <a:bodyPr/>
+          <a:p>
+            <a:r>
+              <a:rPr lang="en-US" altLang="zh-CN"/>
+              <a:t>And here is the result with </a:t>
+            </a:r>
+            <a:r>
+              <a:rPr lang="zh-CN" altLang="en-US"/>
+              <a:t>feature selection, but it is not very satisfactory. As observed, after training for </a:t>
+            </a:r>
+            <a:r>
+              <a:rPr lang="en-US" altLang="zh-CN"/>
+              <a:t>1</a:t>
+            </a:r>
+            <a:r>
+              <a:rPr lang="zh-CN" altLang="en-US"/>
+              <a:t>00 epochs, the loss with feature selection remains above 100, while the loss without feature selection has dropped below </a:t>
+            </a:r>
+            <a:r>
+              <a:rPr lang="en-US" altLang="zh-CN"/>
+              <a:t>4</a:t>
+            </a:r>
+            <a:r>
+              <a:rPr lang="zh-CN" altLang="en-US"/>
+              <a:t>0. </a:t>
+            </a:r>
+            <a:r>
+              <a:rPr lang="en-US" altLang="zh-CN"/>
+              <a:t>And the mae is worse with feature selection. So</a:t>
+            </a:r>
+            <a:r>
+              <a:rPr lang="zh-CN" altLang="en-US"/>
+              <a:t>, feature selection not only worsened the MAE, but also slowed down the training process, which is contrary to our expectations.</a:t>
+            </a:r>
+            <a:endParaRPr lang="zh-CN" altLang="en-US"/>
+          </a:p>
+        </p:txBody>
+      </p:sp>
+    </p:spTree>
+  </p:cSld>
+  <p:clrMapOvr>
+    <a:masterClrMapping/>
+  </p:clrMapOvr>
+</p:notes>
+</file>
+
+<file path=ppt/notesSlides/notesSlide16.xml><?xml version="1.0" encoding="utf-8"?>
+<p:notes xmlns:a="http://schemas.openxmlformats.org/drawingml/2006/main" xmlns:r="http://schemas.openxmlformats.org/officeDocument/2006/relationships" xmlns:p="http://schemas.openxmlformats.org/presentationml/2006/main">
+  <p:cSld>
+    <p:spTree>
+      <p:nvGrpSpPr>
+        <p:cNvPr id="1" name=""/>
+        <p:cNvGrpSpPr/>
+        <p:nvPr/>
+      </p:nvGrpSpPr>
+      <p:grpSpPr/>
+      <p:sp>
+        <p:nvSpPr>
+          <p:cNvPr id="2" name="幻灯片图像占位符 1"/>
+          <p:cNvSpPr/>
+          <p:nvPr>
+            <p:ph type="sldImg" idx="2"/>
+          </p:nvPr>
+        </p:nvSpPr>
+        <p:spPr/>
+      </p:sp>
+      <p:sp>
+        <p:nvSpPr>
+          <p:cNvPr id="3" name="文本占位符 2"/>
+          <p:cNvSpPr/>
+          <p:nvPr>
+            <p:ph type="body" idx="3"/>
+          </p:nvPr>
+        </p:nvSpPr>
+        <p:spPr/>
+        <p:txBody>
+          <a:bodyPr/>
+          <a:p>
+            <a:r>
+              <a:rPr lang="zh-CN" altLang="en-US"/>
+              <a:t>I </a:t>
+            </a:r>
+            <a:r>
+              <a:rPr lang="en-US" altLang="zh-CN"/>
+              <a:t>think</a:t>
+            </a:r>
+            <a:r>
+              <a:rPr lang="zh-CN" altLang="en-US"/>
+              <a:t> there might be two reasons for this outcome: the first reason, and the second reason.</a:t>
+            </a:r>
+            <a:endParaRPr lang="zh-CN" altLang="en-US"/>
+          </a:p>
+        </p:txBody>
+      </p:sp>
+    </p:spTree>
+  </p:cSld>
+  <p:clrMapOvr>
+    <a:masterClrMapping/>
+  </p:clrMapOvr>
+</p:notes>
+</file>
+
+<file path=ppt/notesSlides/notesSlide17.xml><?xml version="1.0" encoding="utf-8"?>
+<p:notes xmlns:a="http://schemas.openxmlformats.org/drawingml/2006/main" xmlns:r="http://schemas.openxmlformats.org/officeDocument/2006/relationships" xmlns:p="http://schemas.openxmlformats.org/presentationml/2006/main">
+  <p:cSld>
+    <p:spTree>
+      <p:nvGrpSpPr>
+        <p:cNvPr id="1" name=""/>
+        <p:cNvGrpSpPr/>
+        <p:nvPr/>
+      </p:nvGrpSpPr>
+      <p:grpSpPr/>
+      <p:sp>
+        <p:nvSpPr>
+          <p:cNvPr id="2" name="幻灯片图像占位符 1"/>
+          <p:cNvSpPr/>
+          <p:nvPr>
+            <p:ph type="sldImg" idx="2"/>
+          </p:nvPr>
+        </p:nvSpPr>
+        <p:spPr/>
+      </p:sp>
+      <p:sp>
+        <p:nvSpPr>
+          <p:cNvPr id="3" name="文本占位符 2"/>
+          <p:cNvSpPr/>
+          <p:nvPr>
+            <p:ph type="body" idx="3"/>
+          </p:nvPr>
+        </p:nvSpPr>
+        <p:spPr/>
+        <p:txBody>
+          <a:bodyPr/>
+          <a:p>
+            <a:r>
+              <a:rPr lang="en-US" altLang="zh-CN"/>
+              <a:t>So</a:t>
+            </a:r>
+            <a:r>
+              <a:rPr lang="zh-CN" altLang="en-US"/>
+              <a:t>, next week I will explore more suitable methods for feature selection. I will continue reading research papers, studying ADSPNR, and completing the course on Complex Functions. The question remains whether there are other contributing factors.</a:t>
+            </a:r>
+            <a:endParaRPr lang="zh-CN" altLang="en-US"/>
+          </a:p>
+        </p:txBody>
+      </p:sp>
+    </p:spTree>
+  </p:cSld>
+  <p:clrMapOvr>
+    <a:masterClrMapping/>
+  </p:clrMapOvr>
+</p:notes>
+</file>
+
+<file path=ppt/notesSlides/notesSlide2.xml><?xml version="1.0" encoding="utf-8"?>
+<p:notes xmlns:a="http://schemas.openxmlformats.org/drawingml/2006/main" xmlns:r="http://schemas.openxmlformats.org/officeDocument/2006/relationships" xmlns:p="http://schemas.openxmlformats.org/presentationml/2006/main">
+  <p:cSld>
+    <p:spTree>
+      <p:nvGrpSpPr>
+        <p:cNvPr id="1" name=""/>
+        <p:cNvGrpSpPr/>
+        <p:nvPr/>
+      </p:nvGrpSpPr>
+      <p:grpSpPr/>
+      <p:sp>
+        <p:nvSpPr>
+          <p:cNvPr id="2" name="幻灯片图像占位符 1"/>
+          <p:cNvSpPr/>
+          <p:nvPr>
+            <p:ph type="sldImg" idx="2"/>
+          </p:nvPr>
+        </p:nvSpPr>
+        <p:spPr/>
+      </p:sp>
+      <p:sp>
+        <p:nvSpPr>
+          <p:cNvPr id="3" name="文本占位符 2"/>
+          <p:cNvSpPr/>
+          <p:nvPr>
+            <p:ph type="body" idx="3"/>
+          </p:nvPr>
+        </p:nvSpPr>
+        <p:spPr/>
+        <p:txBody>
+          <a:bodyPr/>
+          <a:p>
+            <a:r>
+              <a:rPr lang="zh-CN" altLang="en-US"/>
+              <a:t>During this week, I </a:t>
+            </a:r>
+            <a:r>
+              <a:rPr lang="en-US" altLang="zh-CN"/>
+              <a:t>studied</a:t>
+            </a:r>
+            <a:r>
+              <a:rPr lang="zh-CN" altLang="en-US"/>
+              <a:t> two chapters on Complex Functions and Integral Transformations, as well as one chapter on ADSPNR. Additionally, I reviewed two research papers and applied some of their methods to the SCG dataset.</a:t>
+            </a:r>
+            <a:endParaRPr lang="zh-CN" altLang="en-US"/>
+          </a:p>
+        </p:txBody>
+      </p:sp>
+    </p:spTree>
+  </p:cSld>
+  <p:clrMapOvr>
+    <a:masterClrMapping/>
+  </p:clrMapOvr>
+</p:notes>
+</file>
+
+<file path=ppt/notesSlides/notesSlide3.xml><?xml version="1.0" encoding="utf-8"?>
+<p:notes xmlns:a="http://schemas.openxmlformats.org/drawingml/2006/main" xmlns:r="http://schemas.openxmlformats.org/officeDocument/2006/relationships" xmlns:p="http://schemas.openxmlformats.org/presentationml/2006/main">
+  <p:cSld>
+    <p:spTree>
+      <p:nvGrpSpPr>
+        <p:cNvPr id="1" name=""/>
+        <p:cNvGrpSpPr/>
+        <p:nvPr/>
+      </p:nvGrpSpPr>
+      <p:grpSpPr/>
+      <p:sp>
+        <p:nvSpPr>
+          <p:cNvPr id="2" name="幻灯片图像占位符 1"/>
+          <p:cNvSpPr/>
+          <p:nvPr>
+            <p:ph type="sldImg" idx="2"/>
+          </p:nvPr>
+        </p:nvSpPr>
+        <p:spPr/>
+      </p:sp>
+      <p:sp>
+        <p:nvSpPr>
+          <p:cNvPr id="3" name="文本占位符 2"/>
+          <p:cNvSpPr/>
+          <p:nvPr>
+            <p:ph type="body" idx="3"/>
+          </p:nvPr>
+        </p:nvSpPr>
+        <p:spPr/>
+        <p:txBody>
+          <a:bodyPr/>
+          <a:p>
+            <a:r>
+              <a:rPr lang="zh-CN" altLang="en-US"/>
+              <a:t>Regarding the ADSPNR, I focused on Chapter 3, Information Theory and Probability Models. This chapter primarily introduced</a:t>
+            </a:r>
+            <a:r>
+              <a:rPr lang="en-US" altLang="zh-CN"/>
+              <a:t> some</a:t>
+            </a:r>
+            <a:r>
+              <a:rPr lang="zh-CN" altLang="en-US"/>
+              <a:t> concepts of information theory and discussed </a:t>
+            </a:r>
+            <a:r>
+              <a:rPr lang="en-US" altLang="zh-CN"/>
+              <a:t>some random</a:t>
+            </a:r>
+            <a:r>
+              <a:rPr lang="zh-CN" altLang="en-US"/>
+              <a:t> processes and their applications. I simulated some </a:t>
+            </a:r>
+            <a:r>
+              <a:rPr lang="en-US" altLang="zh-CN"/>
+              <a:t>random</a:t>
+            </a:r>
+            <a:r>
+              <a:rPr lang="zh-CN" altLang="en-US"/>
+              <a:t> processes using </a:t>
+            </a:r>
+            <a:r>
+              <a:rPr lang="en-US" altLang="zh-CN"/>
+              <a:t>python.</a:t>
+            </a:r>
+            <a:r>
+              <a:rPr lang="zh-CN" altLang="en-US"/>
+              <a:t> For example, here is the probability distribution of a Gaussian process.</a:t>
+            </a:r>
+            <a:endParaRPr lang="zh-CN" altLang="en-US"/>
+          </a:p>
+        </p:txBody>
+      </p:sp>
+    </p:spTree>
+  </p:cSld>
+  <p:clrMapOvr>
+    <a:masterClrMapping/>
+  </p:clrMapOvr>
+</p:notes>
+</file>
+
+<file path=ppt/notesSlides/notesSlide4.xml><?xml version="1.0" encoding="utf-8"?>
+<p:notes xmlns:a="http://schemas.openxmlformats.org/drawingml/2006/main" xmlns:r="http://schemas.openxmlformats.org/officeDocument/2006/relationships" xmlns:p="http://schemas.openxmlformats.org/presentationml/2006/main">
+  <p:cSld>
+    <p:spTree>
+      <p:nvGrpSpPr>
+        <p:cNvPr id="1" name=""/>
+        <p:cNvGrpSpPr/>
+        <p:nvPr/>
+      </p:nvGrpSpPr>
+      <p:grpSpPr/>
+      <p:sp>
+        <p:nvSpPr>
+          <p:cNvPr id="2" name="幻灯片图像占位符 1"/>
+          <p:cNvSpPr/>
+          <p:nvPr>
+            <p:ph type="sldImg" idx="2"/>
+          </p:nvPr>
+        </p:nvSpPr>
+        <p:spPr/>
+      </p:sp>
+      <p:sp>
+        <p:nvSpPr>
+          <p:cNvPr id="3" name="文本占位符 2"/>
+          <p:cNvSpPr/>
+          <p:nvPr>
+            <p:ph type="body" idx="3"/>
+          </p:nvPr>
+        </p:nvSpPr>
+        <p:spPr/>
+        <p:txBody>
+          <a:bodyPr/>
+          <a:p>
+            <a:r>
+              <a:rPr lang="zh-CN" altLang="en-US"/>
+              <a:t>I also implemented some examples from the book, such as Pseudo[ˈsjuːdəʊ</a:t>
+            </a:r>
+            <a:r>
+              <a:rPr lang="en-US" altLang="zh-CN"/>
+              <a:t>]</a:t>
+            </a:r>
+            <a:r>
+              <a:rPr lang="zh-CN" altLang="en-US"/>
+              <a:t>-Random Number Generators (PRNG). The mechanism behind PRNG involves initializing a seed with N digits, squaring it to obtain a 2N-digit number, and then extracting the middle N digits as the random</a:t>
+            </a:r>
+            <a:r>
+              <a:rPr lang="en-US" altLang="zh-CN"/>
+              <a:t> output</a:t>
+            </a:r>
+            <a:r>
+              <a:rPr lang="zh-CN" altLang="en-US"/>
+              <a:t> number. This process continues iteratively, using the output as the seed for the next round. Here's the implementation code for PRNG.</a:t>
+            </a:r>
+            <a:endParaRPr lang="zh-CN" altLang="en-US"/>
+          </a:p>
+        </p:txBody>
+      </p:sp>
+    </p:spTree>
+  </p:cSld>
+  <p:clrMapOvr>
+    <a:masterClrMapping/>
+  </p:clrMapOvr>
+</p:notes>
+</file>
+
+<file path=ppt/notesSlides/notesSlide5.xml><?xml version="1.0" encoding="utf-8"?>
+<p:notes xmlns:a="http://schemas.openxmlformats.org/drawingml/2006/main" xmlns:r="http://schemas.openxmlformats.org/officeDocument/2006/relationships" xmlns:p="http://schemas.openxmlformats.org/presentationml/2006/main">
+  <p:cSld>
+    <p:spTree>
+      <p:nvGrpSpPr>
+        <p:cNvPr id="1" name=""/>
+        <p:cNvGrpSpPr/>
+        <p:nvPr/>
+      </p:nvGrpSpPr>
+      <p:grpSpPr/>
+      <p:sp>
+        <p:nvSpPr>
+          <p:cNvPr id="2" name="幻灯片图像占位符 1"/>
+          <p:cNvSpPr/>
+          <p:nvPr>
+            <p:ph type="sldImg" idx="2"/>
+          </p:nvPr>
+        </p:nvSpPr>
+        <p:spPr/>
+      </p:sp>
+      <p:sp>
+        <p:nvSpPr>
+          <p:cNvPr id="3" name="文本占位符 2"/>
+          <p:cNvSpPr/>
+          <p:nvPr>
+            <p:ph type="body" idx="3"/>
+          </p:nvPr>
+        </p:nvSpPr>
+        <p:spPr/>
+        <p:txBody>
+          <a:bodyPr/>
+          <a:p>
+            <a:r>
+              <a:rPr lang="zh-CN" altLang="en-US"/>
+              <a:t>Another application I </a:t>
+            </a:r>
+            <a:r>
+              <a:rPr lang="en-US" altLang="zh-CN"/>
+              <a:t>implemented</a:t>
+            </a:r>
+            <a:r>
+              <a:rPr lang="zh-CN" altLang="en-US"/>
+              <a:t> was Huffman coding. Its principle involves merging the two nodes with the lowest probabilities into a new node, where the probability of the new node is the sum of the probabilities of the two</a:t>
+            </a:r>
+            <a:r>
+              <a:rPr lang="en-US" altLang="zh-CN"/>
+              <a:t> old nodes</a:t>
+            </a:r>
+            <a:r>
+              <a:rPr lang="zh-CN" altLang="en-US"/>
+              <a:t>. This process is repeated until only one node remains. The resulting tree structure assigns 0 to the left branch and 1 to the right branch, </a:t>
+            </a:r>
+            <a:r>
+              <a:rPr lang="en-US" altLang="zh-CN"/>
+              <a:t>so that we can get the code</a:t>
+            </a:r>
+            <a:r>
+              <a:rPr lang="zh-CN" altLang="en-US"/>
+              <a:t> for each symbol. Here's an example illustration. Given an input sequence of 111233, the probabilities of occurrence are 1/2, 1/6, and 1/3, respectively. The merging process results in a tree structure, and </a:t>
+            </a:r>
+            <a:r>
+              <a:rPr lang="en-US" altLang="zh-CN"/>
+              <a:t>we </a:t>
+            </a:r>
+            <a:r>
+              <a:rPr lang="zh-CN" altLang="en-US"/>
+              <a:t>assign 0 and 1 to branches </a:t>
+            </a:r>
+            <a:r>
+              <a:rPr lang="en-US" altLang="zh-CN"/>
+              <a:t>so that we can </a:t>
+            </a:r>
+            <a:r>
+              <a:rPr lang="zh-CN" altLang="en-US"/>
+              <a:t>generate the corresponding codes, matching the output of our code</a:t>
+            </a:r>
+            <a:endParaRPr lang="zh-CN" altLang="en-US"/>
+          </a:p>
+        </p:txBody>
+      </p:sp>
+    </p:spTree>
+  </p:cSld>
+  <p:clrMapOvr>
+    <a:masterClrMapping/>
+  </p:clrMapOvr>
+</p:notes>
+</file>
+
+<file path=ppt/notesSlides/notesSlide6.xml><?xml version="1.0" encoding="utf-8"?>
+<p:notes xmlns:a="http://schemas.openxmlformats.org/drawingml/2006/main" xmlns:r="http://schemas.openxmlformats.org/officeDocument/2006/relationships" xmlns:p="http://schemas.openxmlformats.org/presentationml/2006/main">
+  <p:cSld>
+    <p:spTree>
+      <p:nvGrpSpPr>
+        <p:cNvPr id="1" name=""/>
+        <p:cNvGrpSpPr/>
+        <p:nvPr/>
+      </p:nvGrpSpPr>
+      <p:grpSpPr/>
+      <p:sp>
+        <p:nvSpPr>
+          <p:cNvPr id="2" name="幻灯片图像占位符 1"/>
+          <p:cNvSpPr/>
+          <p:nvPr>
+            <p:ph type="sldImg" idx="2"/>
+          </p:nvPr>
+        </p:nvSpPr>
+        <p:spPr/>
+      </p:sp>
+      <p:sp>
+        <p:nvSpPr>
+          <p:cNvPr id="3" name="文本占位符 2"/>
+          <p:cNvSpPr/>
+          <p:nvPr>
+            <p:ph type="body" idx="3"/>
+          </p:nvPr>
+        </p:nvSpPr>
+        <p:spPr/>
+        <p:txBody>
+          <a:bodyPr/>
+          <a:p>
+            <a:r>
+              <a:rPr lang="zh-CN" altLang="en-US"/>
+              <a:t>For the majority of this week, my primary focus was on processing SCG signals. My work can be divided into four main parts: 1, 2, 3, and 4</a:t>
+            </a:r>
+            <a:endParaRPr lang="zh-CN" altLang="en-US"/>
+          </a:p>
+        </p:txBody>
+      </p:sp>
+    </p:spTree>
+  </p:cSld>
+  <p:clrMapOvr>
+    <a:masterClrMapping/>
+  </p:clrMapOvr>
+</p:notes>
+</file>
+
+<file path=ppt/notesSlides/notesSlide7.xml><?xml version="1.0" encoding="utf-8"?>
+<p:notes xmlns:a="http://schemas.openxmlformats.org/drawingml/2006/main" xmlns:r="http://schemas.openxmlformats.org/officeDocument/2006/relationships" xmlns:p="http://schemas.openxmlformats.org/presentationml/2006/main">
+  <p:cSld>
+    <p:spTree>
+      <p:nvGrpSpPr>
+        <p:cNvPr id="1" name=""/>
+        <p:cNvGrpSpPr/>
+        <p:nvPr/>
+      </p:nvGrpSpPr>
+      <p:grpSpPr/>
+      <p:sp>
+        <p:nvSpPr>
+          <p:cNvPr id="2" name="幻灯片图像占位符 1"/>
+          <p:cNvSpPr/>
+          <p:nvPr>
+            <p:ph type="sldImg" idx="2"/>
+          </p:nvPr>
+        </p:nvSpPr>
+        <p:spPr/>
+      </p:sp>
+      <p:sp>
+        <p:nvSpPr>
+          <p:cNvPr id="3" name="文本占位符 2"/>
+          <p:cNvSpPr/>
+          <p:nvPr>
+            <p:ph type="body" idx="3"/>
+          </p:nvPr>
+        </p:nvSpPr>
+        <p:spPr/>
+        <p:txBody>
+          <a:bodyPr/>
+          <a:p>
+            <a:r>
+              <a:rPr lang="zh-CN" altLang="en-US"/>
+              <a:t>I </a:t>
+            </a:r>
+            <a:r>
+              <a:rPr lang="en-US" altLang="zh-CN"/>
+              <a:t>began</a:t>
+            </a:r>
+            <a:r>
+              <a:rPr lang="zh-CN" altLang="en-US"/>
+              <a:t> with respiration signal removal since the presence of the respiration signal can significantly affect the accuracy of the extracted features, such as peak heights. Based on the code provided by Professor Song, I learned that Daubechies</a:t>
+            </a:r>
+            <a:r>
+              <a:rPr lang="en-US" altLang="zh-CN"/>
+              <a:t>(</a:t>
+            </a:r>
+            <a:r>
+              <a:rPr lang="zh-CN" altLang="en-US"/>
+              <a:t>盗白</a:t>
+            </a:r>
+            <a:r>
+              <a:rPr lang="en-US" altLang="zh-CN"/>
+              <a:t>ki</a:t>
+            </a:r>
+            <a:r>
+              <a:rPr lang="zh-CN" altLang="en-US"/>
+              <a:t>死</a:t>
+            </a:r>
+            <a:r>
+              <a:rPr lang="en-US" altLang="zh-CN"/>
+              <a:t>)</a:t>
+            </a:r>
+            <a:r>
+              <a:rPr lang="zh-CN" altLang="en-US"/>
+              <a:t> wavelet was used to generate clean SCG signals without noise and respiration components. Subsequently, </a:t>
+            </a:r>
+            <a:r>
+              <a:rPr lang="en-US" altLang="zh-CN"/>
+              <a:t>here is</a:t>
+            </a:r>
+            <a:r>
+              <a:rPr lang="zh-CN" altLang="en-US"/>
+              <a:t> the respiration signal, which is a sinusoidal-shaped signal, as shown here. By multiplying the respiration signal with the clean SCG signal, </a:t>
+            </a:r>
+            <a:r>
+              <a:rPr lang="en-US" altLang="zh-CN"/>
+              <a:t>we can</a:t>
+            </a:r>
+            <a:r>
+              <a:rPr lang="zh-CN" altLang="en-US"/>
+              <a:t> obtain the SCG signal with respiration. The "seg_amp" refers to the maximum value in the clean SCG signal. Given the non-linear nature of signal synthesis, simple filtering and ICA techniques couldn't effectively separate the two components. </a:t>
+            </a:r>
+            <a:r>
+              <a:rPr lang="en-US" altLang="zh-CN"/>
+              <a:t>And I haven’t  learned other methods. </a:t>
+            </a:r>
+            <a:r>
+              <a:rPr lang="en-US" altLang="zh-CN"/>
+              <a:t>So</a:t>
+            </a:r>
+            <a:r>
+              <a:rPr lang="zh-CN" altLang="en-US"/>
+              <a:t>, I decided to initially isolate the respiration signal based on the known synthesis information, enabling subsequent processing.</a:t>
+            </a:r>
+            <a:endParaRPr lang="zh-CN" altLang="en-US"/>
+          </a:p>
+        </p:txBody>
+      </p:sp>
+    </p:spTree>
+  </p:cSld>
+  <p:clrMapOvr>
+    <a:masterClrMapping/>
+  </p:clrMapOvr>
+</p:notes>
+</file>
+
+<file path=ppt/notesSlides/notesSlide8.xml><?xml version="1.0" encoding="utf-8"?>
+<p:notes xmlns:a="http://schemas.openxmlformats.org/drawingml/2006/main" xmlns:r="http://schemas.openxmlformats.org/officeDocument/2006/relationships" xmlns:p="http://schemas.openxmlformats.org/presentationml/2006/main">
+  <p:cSld>
+    <p:spTree>
+      <p:nvGrpSpPr>
+        <p:cNvPr id="1" name=""/>
+        <p:cNvGrpSpPr/>
+        <p:nvPr/>
+      </p:nvGrpSpPr>
+      <p:grpSpPr/>
+      <p:sp>
+        <p:nvSpPr>
+          <p:cNvPr id="2" name="幻灯片图像占位符 1"/>
+          <p:cNvSpPr/>
+          <p:nvPr>
+            <p:ph type="sldImg" idx="2"/>
+          </p:nvPr>
+        </p:nvSpPr>
+        <p:spPr/>
+      </p:sp>
+      <p:sp>
+        <p:nvSpPr>
+          <p:cNvPr id="3" name="文本占位符 2"/>
+          <p:cNvSpPr/>
+          <p:nvPr>
+            <p:ph type="body" idx="3"/>
+          </p:nvPr>
+        </p:nvSpPr>
+        <p:spPr/>
+        <p:txBody>
+          <a:bodyPr/>
+          <a:p>
+            <a:r>
+              <a:rPr lang="zh-CN" altLang="en-US"/>
+              <a:t>The method I used is based on gradient descent for parameter estimation. Before using this method, three assumptions were made, relying on the known synthesis </a:t>
+            </a:r>
+            <a:r>
+              <a:rPr lang="en-US" altLang="zh-CN"/>
+              <a:t>information</a:t>
+            </a:r>
+            <a:r>
+              <a:rPr lang="zh-CN" altLang="en-US"/>
+              <a:t>. Assumption 1: The </a:t>
+            </a:r>
+            <a:r>
+              <a:rPr lang="en-US" altLang="zh-CN"/>
+              <a:t>height</a:t>
+            </a:r>
+            <a:r>
+              <a:rPr lang="zh-CN" altLang="en-US"/>
+              <a:t> of peak1 and peak2 are fixed and denoted as P1 and P2. Assumption 2: The respiration signal </a:t>
+            </a:r>
+            <a:r>
+              <a:rPr lang="en-US" altLang="zh-CN"/>
+              <a:t>is a </a:t>
+            </a:r>
+            <a:r>
+              <a:rPr lang="zh-CN" altLang="en-US">
+                <a:sym typeface="+mn-ea"/>
+              </a:rPr>
+              <a:t>sinusoidal[ˈsaɪnəˌsɔɪdəl]-shaped signal</a:t>
+            </a:r>
+            <a:r>
+              <a:rPr lang="zh-CN" altLang="en-US"/>
+              <a:t>. Assumption 3: The synthesis is achieved through multiplication. Utilizing these assumptions, an equation was derived for each peak</a:t>
+            </a:r>
+            <a:r>
+              <a:rPr lang="en-US" altLang="zh-CN"/>
+              <a:t>. We only focus on the peak point, and don’t pay attention to the other part of the signal. </a:t>
+            </a:r>
+            <a:r>
+              <a:rPr lang="zh-CN" altLang="en-US"/>
+              <a:t>Here is the equation, where H and x are known values, x represents time, and H </a:t>
+            </a:r>
+            <a:r>
+              <a:rPr lang="en-US" altLang="zh-CN"/>
+              <a:t>represents</a:t>
+            </a:r>
+            <a:r>
+              <a:rPr lang="zh-CN" altLang="en-US"/>
+              <a:t> the SCG signal value at that time</a:t>
+            </a:r>
+            <a:r>
+              <a:rPr lang="en-US" altLang="zh-CN"/>
+              <a:t> which is x</a:t>
+            </a:r>
+            <a:r>
+              <a:rPr lang="zh-CN" altLang="en-US"/>
+              <a:t>. P1, P2, and w are the parameters we want to estimate. The estimation method involves gradient descent, using x as input and H as the target for fitting</a:t>
+            </a:r>
+            <a:endParaRPr lang="zh-CN" altLang="en-US"/>
+          </a:p>
+        </p:txBody>
+      </p:sp>
+    </p:spTree>
+  </p:cSld>
+  <p:clrMapOvr>
+    <a:masterClrMapping/>
+  </p:clrMapOvr>
+</p:notes>
+</file>
+
+<file path=ppt/notesSlides/notesSlide9.xml><?xml version="1.0" encoding="utf-8"?>
+<p:notes xmlns:a="http://schemas.openxmlformats.org/drawingml/2006/main" xmlns:r="http://schemas.openxmlformats.org/officeDocument/2006/relationships" xmlns:p="http://schemas.openxmlformats.org/presentationml/2006/main">
+  <p:cSld>
+    <p:spTree>
+      <p:nvGrpSpPr>
+        <p:cNvPr id="1" name=""/>
+        <p:cNvGrpSpPr/>
+        <p:nvPr/>
+      </p:nvGrpSpPr>
+      <p:grpSpPr/>
+      <p:sp>
+        <p:nvSpPr>
+          <p:cNvPr id="2" name="幻灯片图像占位符 1"/>
+          <p:cNvSpPr/>
+          <p:nvPr>
+            <p:ph type="sldImg" idx="2"/>
+          </p:nvPr>
+        </p:nvSpPr>
+        <p:spPr/>
+      </p:sp>
+      <p:sp>
+        <p:nvSpPr>
+          <p:cNvPr id="3" name="文本占位符 2"/>
+          <p:cNvSpPr/>
+          <p:nvPr>
+            <p:ph type="body" idx="3"/>
+          </p:nvPr>
+        </p:nvSpPr>
+        <p:spPr/>
+        <p:txBody>
+          <a:bodyPr/>
+          <a:p>
+            <a:r>
+              <a:rPr lang="en-US" altLang="zh-CN"/>
+              <a:t>T</a:t>
+            </a:r>
+            <a:r>
+              <a:rPr lang="zh-CN" altLang="en-US"/>
+              <a:t>his approach allowed me to effectively remove the respiration signal. The result shows that the left side is the signal before removal, while the right side is the signal after removal, demonstrating a significant improvement.</a:t>
+            </a:r>
+            <a:r>
+              <a:rPr lang="en-US" altLang="zh-CN"/>
+              <a:t> However, it is important to note that since Assumption 1 is an idealized situation, the effectiveness of my algorithm for removing the respiration signal may not be optimal for certain signals. Consequently, I only select signals with successful removal for further processing.</a:t>
+            </a:r>
+            <a:endParaRPr lang="en-US" altLang="zh-CN"/>
+          </a:p>
+        </p:txBody>
+      </p:sp>
+    </p:spTree>
+  </p:cSld>
+  <p:clrMapOvr>
+    <a:masterClrMapping/>
+  </p:clrMapOvr>
+</p:notes>
 </file>
 
 <file path=ppt/slideLayouts/slideLayout1.xml><?xml version="1.0" encoding="utf-8"?>
@@ -4752,6 +6282,42 @@
           </a:p>
         </p:txBody>
       </p:sp>
+      <p:sp>
+        <p:nvSpPr>
+          <p:cNvPr id="4" name="文本框 3"/>
+          <p:cNvSpPr txBox="1"/>
+          <p:nvPr/>
+        </p:nvSpPr>
+        <p:spPr>
+          <a:xfrm>
+            <a:off x="8330565" y="5411470"/>
+            <a:ext cx="4064000" cy="368300"/>
+          </a:xfrm>
+          <a:prstGeom prst="rect">
+            <a:avLst/>
+          </a:prstGeom>
+          <a:noFill/>
+        </p:spPr>
+        <p:txBody>
+          <a:bodyPr wrap="square" rtlCol="0">
+            <a:spAutoFit/>
+          </a:bodyPr>
+          <a:p>
+            <a:pPr algn="ctr"/>
+            <a:r>
+              <a:rPr lang="en-US" altLang="zh-CN">
+                <a:latin typeface="Times New Roman" panose="02020603050405020304" charset="0"/>
+                <a:cs typeface="Times New Roman" panose="02020603050405020304" charset="0"/>
+              </a:rPr>
+              <a:t>MAE without noise reduction: 10</a:t>
+            </a:r>
+            <a:endParaRPr lang="en-US" altLang="zh-CN">
+              <a:latin typeface="Times New Roman" panose="02020603050405020304" charset="0"/>
+              <a:cs typeface="Times New Roman" panose="02020603050405020304" charset="0"/>
+            </a:endParaRPr>
+          </a:p>
+        </p:txBody>
+      </p:sp>
     </p:spTree>
     <p:custDataLst>
       <p:tags r:id="rId4"/>
@@ -5000,7 +6566,21 @@
                 <a:latin typeface="Times New Roman" panose="02020603050405020304" charset="0"/>
                 <a:cs typeface="Times New Roman" panose="02020603050405020304" charset="0"/>
               </a:rPr>
-              <a:t>In our data, using the Pearson coefficient for feature selection is not suitable because we know that the peak value is also an important feature, but it has been filtered out.</a:t>
+              <a:t>In our data, using the Pearson coefficient for feature selection is not suitable because we know that the </a:t>
+            </a:r>
+            <a:r>
+              <a:rPr lang="en-US" altLang="zh-CN" sz="2000">
+                <a:latin typeface="Times New Roman" panose="02020603050405020304" charset="0"/>
+                <a:cs typeface="Times New Roman" panose="02020603050405020304" charset="0"/>
+              </a:rPr>
+              <a:t>amplitude of </a:t>
+            </a:r>
+            <a:r>
+              <a:rPr lang="zh-CN" altLang="en-US" sz="2000">
+                <a:latin typeface="Times New Roman" panose="02020603050405020304" charset="0"/>
+                <a:cs typeface="Times New Roman" panose="02020603050405020304" charset="0"/>
+              </a:rPr>
+              <a:t>peak is also an important feature, but it has been filtered out.</a:t>
             </a:r>
             <a:r>
               <a:rPr lang="en-US" altLang="zh-CN" sz="2000">
@@ -5221,7 +6801,14 @@
                 <a:latin typeface="Times New Roman" panose="02020603050405020304" charset="0"/>
                 <a:cs typeface="Times New Roman" panose="02020603050405020304" charset="0"/>
               </a:rPr>
-              <a:t>Complete the course on Complex Analysis</a:t>
+              <a:t>Complete the course on Complex </a:t>
+            </a:r>
+            <a:r>
+              <a:rPr lang="en-US" altLang="zh-CN" sz="2400">
+                <a:latin typeface="Times New Roman" panose="02020603050405020304" charset="0"/>
+                <a:cs typeface="Times New Roman" panose="02020603050405020304" charset="0"/>
+              </a:rPr>
+              <a:t>Function</a:t>
             </a:r>
             <a:endParaRPr lang="zh-CN" altLang="en-US" sz="2400">
               <a:latin typeface="Times New Roman" panose="02020603050405020304" charset="0"/>
@@ -5357,7 +6944,7 @@
                 <a:latin typeface="Times New Roman" panose="02020603050405020304" charset="0"/>
                 <a:cs typeface="Times New Roman" panose="02020603050405020304" charset="0"/>
               </a:rPr>
-              <a:t>Why the feature selection have a negtive effect on the result?</a:t>
+              <a:t>Why the feature selection has a negative effect on the result?</a:t>
             </a:r>
             <a:endParaRPr lang="zh-CN" altLang="en-US" sz="2400">
               <a:latin typeface="Times New Roman" panose="02020603050405020304" charset="0"/>
@@ -5612,66 +7199,6 @@
     </p:spTree>
     <p:custDataLst>
       <p:tags r:id="rId1"/>
-    </p:custDataLst>
-  </p:cSld>
-  <p:clrMapOvr>
-    <a:masterClrMapping/>
-  </p:clrMapOvr>
-</p:sld>
-</file>
-
-<file path=ppt/slides/slide21.xml><?xml version="1.0" encoding="utf-8"?>
-<p:sld xmlns:a="http://schemas.openxmlformats.org/drawingml/2006/main" xmlns:r="http://schemas.openxmlformats.org/officeDocument/2006/relationships" xmlns:p="http://schemas.openxmlformats.org/presentationml/2006/main">
-  <p:cSld>
-    <p:spTree>
-      <p:nvGrpSpPr>
-        <p:cNvPr id="1" name=""/>
-        <p:cNvGrpSpPr/>
-        <p:nvPr/>
-      </p:nvGrpSpPr>
-      <p:grpSpPr/>
-      <p:sp>
-        <p:nvSpPr>
-          <p:cNvPr id="5" name="文本框 4"/>
-          <p:cNvSpPr txBox="1"/>
-          <p:nvPr>
-            <p:custDataLst>
-              <p:tags r:id="rId1"/>
-            </p:custDataLst>
-          </p:nvPr>
-        </p:nvSpPr>
-        <p:spPr>
-          <a:xfrm>
-            <a:off x="421640" y="418465"/>
-            <a:ext cx="8964930" cy="521970"/>
-          </a:xfrm>
-          <a:prstGeom prst="rect">
-            <a:avLst/>
-          </a:prstGeom>
-          <a:noFill/>
-        </p:spPr>
-        <p:txBody>
-          <a:bodyPr wrap="square" rtlCol="0">
-            <a:spAutoFit/>
-          </a:bodyPr>
-          <a:p>
-            <a:r>
-              <a:rPr lang="en-US" sz="2800">
-                <a:latin typeface="Times New Roman" panose="02020603050405020304" charset="0"/>
-                <a:cs typeface="Times New Roman" panose="02020603050405020304" charset="0"/>
-              </a:rPr>
-              <a:t>Verification</a:t>
-            </a:r>
-            <a:endParaRPr lang="en-US" sz="2800">
-              <a:latin typeface="Times New Roman" panose="02020603050405020304" charset="0"/>
-              <a:cs typeface="Times New Roman" panose="02020603050405020304" charset="0"/>
-            </a:endParaRPr>
-          </a:p>
-        </p:txBody>
-      </p:sp>
-    </p:spTree>
-    <p:custDataLst>
-      <p:tags r:id="rId2"/>
     </p:custDataLst>
   </p:cSld>
   <p:clrMapOvr>
@@ -8220,7 +9747,7 @@
         </p:blipFill>
         <p:spPr>
           <a:xfrm>
-            <a:off x="297815" y="1933575"/>
+            <a:off x="191135" y="1933575"/>
             <a:ext cx="3846830" cy="2857500"/>
           </a:xfrm>
           <a:prstGeom prst="rect">
@@ -8236,7 +9763,7 @@
         </p:nvSpPr>
         <p:spPr>
           <a:xfrm>
-            <a:off x="189230" y="4984750"/>
+            <a:off x="82550" y="4984750"/>
             <a:ext cx="4064000" cy="645160"/>
           </a:xfrm>
           <a:prstGeom prst="rect">
@@ -8298,7 +9825,7 @@
         </p:blipFill>
         <p:spPr>
           <a:xfrm>
-            <a:off x="4144645" y="1822450"/>
+            <a:off x="4037965" y="1822450"/>
             <a:ext cx="3796665" cy="2968625"/>
           </a:xfrm>
           <a:prstGeom prst="rect">
@@ -8318,7 +9845,7 @@
         </p:nvSpPr>
         <p:spPr>
           <a:xfrm>
-            <a:off x="3444875" y="4984750"/>
+            <a:off x="3338195" y="4984750"/>
             <a:ext cx="4816475" cy="645160"/>
           </a:xfrm>
           <a:prstGeom prst="rect">
@@ -8380,7 +9907,7 @@
         </p:blipFill>
         <p:spPr>
           <a:xfrm>
-            <a:off x="8070850" y="1891030"/>
+            <a:off x="7964170" y="1891030"/>
             <a:ext cx="3716020" cy="2828925"/>
           </a:xfrm>
           <a:prstGeom prst="rect">
@@ -8396,7 +9923,7 @@
         </p:nvSpPr>
         <p:spPr>
           <a:xfrm>
-            <a:off x="7801610" y="4984750"/>
+            <a:off x="7694930" y="4984750"/>
             <a:ext cx="4559300" cy="645160"/>
           </a:xfrm>
           <a:prstGeom prst="rect">
@@ -8507,8 +10034,8 @@
         </p:nvSpPr>
         <p:spPr>
           <a:xfrm>
-            <a:off x="421640" y="1205230"/>
-            <a:ext cx="10747375" cy="1938020"/>
+            <a:off x="421640" y="829945"/>
+            <a:ext cx="10747375" cy="1476375"/>
           </a:xfrm>
           <a:prstGeom prst="rect">
             <a:avLst/>
@@ -8522,7 +10049,7 @@
           <a:p>
             <a:pPr indent="0" fontAlgn="auto">
               <a:lnSpc>
-                <a:spcPct val="200000"/>
+                <a:spcPct val="150000"/>
               </a:lnSpc>
             </a:pPr>
             <a:r>
@@ -8530,7 +10057,7 @@
                 <a:latin typeface="Times New Roman" panose="02020603050405020304" charset="0"/>
                 <a:cs typeface="Times New Roman" panose="02020603050405020304" charset="0"/>
               </a:rPr>
-              <a:t>Assumption 1: The peaks of both peak1 and peak2 are fixed</a:t>
+              <a:t>Assumption 1: The heights of both peak1 and peak2 are fixed (P1 and P2)</a:t>
             </a:r>
             <a:endParaRPr lang="en-US" altLang="zh-CN" sz="2000">
               <a:latin typeface="Times New Roman" panose="02020603050405020304" charset="0"/>
@@ -8540,7 +10067,7 @@
           <a:p>
             <a:pPr indent="0" fontAlgn="auto">
               <a:lnSpc>
-                <a:spcPct val="200000"/>
+                <a:spcPct val="150000"/>
               </a:lnSpc>
             </a:pPr>
             <a:r>
@@ -8558,7 +10085,7 @@
           <a:p>
             <a:pPr indent="0" fontAlgn="auto">
               <a:lnSpc>
-                <a:spcPct val="200000"/>
+                <a:spcPct val="150000"/>
               </a:lnSpc>
             </a:pPr>
             <a:r>
@@ -8693,7 +10220,7 @@
           <a:p>
             <a:r>
               <a:rPr lang="en-US" altLang="zh-CN"/>
-              <a:t>H = (P2 * Sin(wx) + 2 * P1) * P2</a:t>
+              <a:t>H = (P1 * Sin(wx) + 2 * P1) * P2</a:t>
             </a:r>
             <a:endParaRPr lang="en-US" altLang="zh-CN"/>
           </a:p>
@@ -8796,9 +10323,44 @@
             <a:pPr marL="457200" lvl="1" indent="457200"/>
             <a:r>
               <a:rPr lang="en-US" altLang="zh-CN"/>
-              <a:t>Output: H</a:t>
+              <a:t>Target: H</a:t>
             </a:r>
             <a:endParaRPr lang="en-US" altLang="zh-CN"/>
+          </a:p>
+        </p:txBody>
+      </p:sp>
+      <p:sp>
+        <p:nvSpPr>
+          <p:cNvPr id="4" name="文本框 3"/>
+          <p:cNvSpPr txBox="1"/>
+          <p:nvPr/>
+        </p:nvSpPr>
+        <p:spPr>
+          <a:xfrm>
+            <a:off x="421640" y="2981325"/>
+            <a:ext cx="5417185" cy="398780"/>
+          </a:xfrm>
+          <a:prstGeom prst="rect">
+            <a:avLst/>
+          </a:prstGeom>
+          <a:noFill/>
+        </p:spPr>
+        <p:txBody>
+          <a:bodyPr wrap="square" rtlCol="0">
+            <a:spAutoFit/>
+          </a:bodyPr>
+          <a:p>
+            <a:r>
+              <a:rPr lang="en-US" altLang="zh-CN" sz="2000">
+                <a:latin typeface="Times New Roman" panose="02020603050405020304" charset="0"/>
+                <a:cs typeface="Times New Roman" panose="02020603050405020304" charset="0"/>
+              </a:rPr>
+              <a:t>Gradient Descent Based Parameter Estimation</a:t>
+            </a:r>
+            <a:endParaRPr lang="en-US" altLang="zh-CN" sz="2000">
+              <a:latin typeface="Times New Roman" panose="02020603050405020304" charset="0"/>
+              <a:cs typeface="Times New Roman" panose="02020603050405020304" charset="0"/>
+            </a:endParaRPr>
           </a:p>
         </p:txBody>
       </p:sp>
@@ -9213,15 +10775,7 @@
 
 <file path=ppt/tags/tag148.xml><?xml version="1.0" encoding="utf-8"?>
 <p:tagLst xmlns:p="http://schemas.openxmlformats.org/presentationml/2006/main">
-  <p:tag name="KSO_WM_BEAUTIFY_FLAG" val=""/>
-</p:tagLst>
-</file>
-
-<file path=ppt/tags/tag149.xml><?xml version="1.0" encoding="utf-8"?>
-<p:tagLst xmlns:p="http://schemas.openxmlformats.org/presentationml/2006/main">
-  <p:tag name="KSO_WM_BEAUTIFY_FLAG" val="#wm#"/>
-  <p:tag name="KSO_WM_TEMPLATE_CATEGORY" val="custom"/>
-  <p:tag name="KSO_WM_TEMPLATE_INDEX" val="20205081"/>
+  <p:tag name="COMMONDATA" val="eyJoZGlkIjoiMWRlNDUxNmQzODRiOGZjNzNhZTdkYzIyMjMxZTcyYmYifQ=="/>
 </p:tagLst>
 </file>
 
@@ -9235,12 +10789,6 @@
   <p:tag name="KSO_WM_UNIT_LAYERLEVEL" val="1"/>
   <p:tag name="KSO_WM_TAG_VERSION" val="1.0"/>
   <p:tag name="KSO_WM_BEAUTIFY_FLAG" val="#wm#"/>
-</p:tagLst>
-</file>
-
-<file path=ppt/tags/tag150.xml><?xml version="1.0" encoding="utf-8"?>
-<p:tagLst xmlns:p="http://schemas.openxmlformats.org/presentationml/2006/main">
-  <p:tag name="COMMONDATA" val="eyJoZGlkIjoiMWRlNDUxNmQzODRiOGZjNzNhZTdkYzIyMjMxZTcyYmYifQ=="/>
 </p:tagLst>
 </file>
 
@@ -10428,4 +11976,263 @@
     </a:ext>
   </a:extLst>
 </a:theme>
+</file>
+
+<file path=ppt/theme/theme2.xml><?xml version="1.0" encoding="utf-8"?>
+<a:theme xmlns:a="http://schemas.openxmlformats.org/drawingml/2006/main" name="Office 主题">
+  <a:themeElements>
+    <a:clrScheme name="Office">
+      <a:dk1>
+        <a:sysClr val="windowText" lastClr="000000"/>
+      </a:dk1>
+      <a:lt1>
+        <a:sysClr val="window" lastClr="FFFFFF"/>
+      </a:lt1>
+      <a:dk2>
+        <a:srgbClr val="44546A"/>
+      </a:dk2>
+      <a:lt2>
+        <a:srgbClr val="E7E6E6"/>
+      </a:lt2>
+      <a:accent1>
+        <a:srgbClr val="5B9BD5"/>
+      </a:accent1>
+      <a:accent2>
+        <a:srgbClr val="ED7D31"/>
+      </a:accent2>
+      <a:accent3>
+        <a:srgbClr val="A5A5A5"/>
+      </a:accent3>
+      <a:accent4>
+        <a:srgbClr val="FFC000"/>
+      </a:accent4>
+      <a:accent5>
+        <a:srgbClr val="4472C4"/>
+      </a:accent5>
+      <a:accent6>
+        <a:srgbClr val="70AD47"/>
+      </a:accent6>
+      <a:hlink>
+        <a:srgbClr val="0563C1"/>
+      </a:hlink>
+      <a:folHlink>
+        <a:srgbClr val="954F72"/>
+      </a:folHlink>
+    </a:clrScheme>
+    <a:fontScheme name="Office">
+      <a:majorFont>
+        <a:latin typeface="Calibri Light"/>
+        <a:ea typeface=""/>
+        <a:cs typeface=""/>
+        <a:font script="Jpan" typeface="ＭＳ Ｐゴシック"/>
+        <a:font script="Hang" typeface="맑은 고딕"/>
+        <a:font script="Hans" typeface="宋体"/>
+        <a:font script="Hant" typeface="新細明體"/>
+        <a:font script="Arab" typeface="Times New Roman"/>
+        <a:font script="Hebr" typeface="Times New Roman"/>
+        <a:font script="Thai" typeface="Angsana New"/>
+        <a:font script="Ethi" typeface="Nyala"/>
+        <a:font script="Beng" typeface="Vrinda"/>
+        <a:font script="Gujr" typeface="Shruti"/>
+        <a:font script="Khmr" typeface="MoolBoran"/>
+        <a:font script="Knda" typeface="Tunga"/>
+        <a:font script="Guru" typeface="Raavi"/>
+        <a:font script="Cans" typeface="Euphemia"/>
+        <a:font script="Cher" typeface="Plantagenet Cherokee"/>
+        <a:font script="Yiii" typeface="Microsoft Yi Baiti"/>
+        <a:font script="Tibt" typeface="Microsoft Himalaya"/>
+        <a:font script="Thaa" typeface="MV Boli"/>
+        <a:font script="Deva" typeface="Mangal"/>
+        <a:font script="Telu" typeface="Gautami"/>
+        <a:font script="Taml" typeface="Latha"/>
+        <a:font script="Syrc" typeface="Estrangelo Edessa"/>
+        <a:font script="Orya" typeface="Kalinga"/>
+        <a:font script="Mlym" typeface="Kartika"/>
+        <a:font script="Laoo" typeface="DokChampa"/>
+        <a:font script="Sinh" typeface="Iskoola Pota"/>
+        <a:font script="Mong" typeface="Mongolian Baiti"/>
+        <a:font script="Viet" typeface="Times New Roman"/>
+        <a:font script="Uigh" typeface="Microsoft Uighur"/>
+        <a:font script="Geor" typeface="Sylfaen"/>
+      </a:majorFont>
+      <a:minorFont>
+        <a:latin typeface="Calibri"/>
+        <a:ea typeface=""/>
+        <a:cs typeface=""/>
+        <a:font script="Jpan" typeface="ＭＳ Ｐゴシック"/>
+        <a:font script="Hang" typeface="맑은 고딕"/>
+        <a:font script="Hans" typeface="宋体"/>
+        <a:font script="Hant" typeface="新細明體"/>
+        <a:font script="Arab" typeface="Arial"/>
+        <a:font script="Hebr" typeface="Arial"/>
+        <a:font script="Thai" typeface="Cordia New"/>
+        <a:font script="Ethi" typeface="Nyala"/>
+        <a:font script="Beng" typeface="Vrinda"/>
+        <a:font script="Gujr" typeface="Shruti"/>
+        <a:font script="Khmr" typeface="DaunPenh"/>
+        <a:font script="Knda" typeface="Tunga"/>
+        <a:font script="Guru" typeface="Raavi"/>
+        <a:font script="Cans" typeface="Euphemia"/>
+        <a:font script="Cher" typeface="Plantagenet Cherokee"/>
+        <a:font script="Yiii" typeface="Microsoft Yi Baiti"/>
+        <a:font script="Tibt" typeface="Microsoft Himalaya"/>
+        <a:font script="Thaa" typeface="MV Boli"/>
+        <a:font script="Deva" typeface="Mangal"/>
+        <a:font script="Telu" typeface="Gautami"/>
+        <a:font script="Taml" typeface="Latha"/>
+        <a:font script="Syrc" typeface="Estrangelo Edessa"/>
+        <a:font script="Orya" typeface="Kalinga"/>
+        <a:font script="Mlym" typeface="Kartika"/>
+        <a:font script="Laoo" typeface="DokChampa"/>
+        <a:font script="Sinh" typeface="Iskoola Pota"/>
+        <a:font script="Mong" typeface="Mongolian Baiti"/>
+        <a:font script="Viet" typeface="Arial"/>
+        <a:font script="Uigh" typeface="Microsoft Uighur"/>
+        <a:font script="Geor" typeface="Sylfaen"/>
+      </a:minorFont>
+    </a:fontScheme>
+    <a:fmtScheme name="Office">
+      <a:fillStyleLst>
+        <a:solidFill>
+          <a:schemeClr val="phClr"/>
+        </a:solidFill>
+        <a:gradFill rotWithShape="1">
+          <a:gsLst>
+            <a:gs pos="0">
+              <a:schemeClr val="phClr">
+                <a:lumMod val="110000"/>
+                <a:satMod val="105000"/>
+                <a:tint val="67000"/>
+              </a:schemeClr>
+            </a:gs>
+            <a:gs pos="50000">
+              <a:schemeClr val="phClr">
+                <a:lumMod val="105000"/>
+                <a:satMod val="103000"/>
+                <a:tint val="73000"/>
+              </a:schemeClr>
+            </a:gs>
+            <a:gs pos="100000">
+              <a:schemeClr val="phClr">
+                <a:lumMod val="105000"/>
+                <a:satMod val="109000"/>
+                <a:tint val="81000"/>
+              </a:schemeClr>
+            </a:gs>
+          </a:gsLst>
+          <a:lin ang="5400000" scaled="0"/>
+        </a:gradFill>
+        <a:gradFill rotWithShape="1">
+          <a:gsLst>
+            <a:gs pos="0">
+              <a:schemeClr val="phClr">
+                <a:satMod val="103000"/>
+                <a:lumMod val="102000"/>
+                <a:tint val="94000"/>
+              </a:schemeClr>
+            </a:gs>
+            <a:gs pos="50000">
+              <a:schemeClr val="phClr">
+                <a:satMod val="110000"/>
+                <a:lumMod val="100000"/>
+                <a:shade val="100000"/>
+              </a:schemeClr>
+            </a:gs>
+            <a:gs pos="100000">
+              <a:schemeClr val="phClr">
+                <a:lumMod val="99000"/>
+                <a:satMod val="120000"/>
+                <a:shade val="78000"/>
+              </a:schemeClr>
+            </a:gs>
+          </a:gsLst>
+          <a:lin ang="5400000" scaled="0"/>
+        </a:gradFill>
+      </a:fillStyleLst>
+      <a:lnStyleLst>
+        <a:ln w="6350" cap="flat" cmpd="sng" algn="ctr">
+          <a:solidFill>
+            <a:schemeClr val="phClr"/>
+          </a:solidFill>
+          <a:prstDash val="solid"/>
+          <a:miter lim="800000"/>
+        </a:ln>
+        <a:ln w="12700" cap="flat" cmpd="sng" algn="ctr">
+          <a:solidFill>
+            <a:schemeClr val="phClr"/>
+          </a:solidFill>
+          <a:prstDash val="solid"/>
+          <a:miter lim="800000"/>
+        </a:ln>
+        <a:ln w="19050" cap="flat" cmpd="sng" algn="ctr">
+          <a:solidFill>
+            <a:schemeClr val="phClr"/>
+          </a:solidFill>
+          <a:prstDash val="solid"/>
+          <a:miter lim="800000"/>
+        </a:ln>
+      </a:lnStyleLst>
+      <a:effectStyleLst>
+        <a:effectStyle>
+          <a:effectLst/>
+        </a:effectStyle>
+        <a:effectStyle>
+          <a:effectLst/>
+        </a:effectStyle>
+        <a:effectStyle>
+          <a:effectLst>
+            <a:outerShdw blurRad="57150" dist="19050" dir="5400000" algn="ctr" rotWithShape="0">
+              <a:srgbClr val="000000">
+                <a:alpha val="63000"/>
+              </a:srgbClr>
+            </a:outerShdw>
+          </a:effectLst>
+        </a:effectStyle>
+      </a:effectStyleLst>
+      <a:bgFillStyleLst>
+        <a:solidFill>
+          <a:schemeClr val="phClr"/>
+        </a:solidFill>
+        <a:solidFill>
+          <a:schemeClr val="phClr">
+            <a:tint val="95000"/>
+            <a:satMod val="170000"/>
+          </a:schemeClr>
+        </a:solidFill>
+        <a:gradFill rotWithShape="1">
+          <a:gsLst>
+            <a:gs pos="0">
+              <a:schemeClr val="phClr">
+                <a:tint val="93000"/>
+                <a:satMod val="150000"/>
+                <a:shade val="98000"/>
+                <a:lumMod val="102000"/>
+              </a:schemeClr>
+            </a:gs>
+            <a:gs pos="50000">
+              <a:schemeClr val="phClr">
+                <a:tint val="98000"/>
+                <a:satMod val="130000"/>
+                <a:shade val="90000"/>
+                <a:lumMod val="103000"/>
+              </a:schemeClr>
+            </a:gs>
+            <a:gs pos="100000">
+              <a:schemeClr val="phClr">
+                <a:shade val="63000"/>
+                <a:satMod val="120000"/>
+              </a:schemeClr>
+            </a:gs>
+          </a:gsLst>
+          <a:lin ang="5400000" scaled="0"/>
+        </a:gradFill>
+      </a:bgFillStyleLst>
+    </a:fmtScheme>
+  </a:themeElements>
+  <a:extLst>
+    <a:ext uri="{05A4C25C-085E-4340-85A3-A5531E510DB2}">
+      <thm15:themeFamily xmlns:thm15="http://schemas.microsoft.com/office/thememl/2012/main" name="Office Theme" id="{62F939B6-93AF-4DB8-9C6B-D6C7DFDC589F}" vid="{4A3C46E8-61CC-4603-A589-7422A47A8E4A}"/>
+    </a:ext>
+  </a:extLst>
+</a:theme>
 </file>